--- a/hito2/practica procesual progra 3 Nicolas Aguilar.pptx
+++ b/hito2/practica procesual progra 3 Nicolas Aguilar.pptx
@@ -5957,6 +5957,49 @@
               <a:rPr lang="es-BO" dirty="0"/>
               <a:t> :</a:t>
             </a:r>
+            <a:r>
+              <a:rPr lang="es-BO" dirty="0">
+                <a:hlinkClick r:id="rId2"/>
+              </a:rPr>
+              <a:t>https://github.com/</a:t>
+            </a:r>
+            <a:r>
+              <a:rPr lang="es-BO" dirty="0" err="1">
+                <a:hlinkClick r:id="rId2"/>
+              </a:rPr>
+              <a:t>shierf</a:t>
+            </a:r>
+            <a:r>
+              <a:rPr lang="es-BO" dirty="0">
+                <a:hlinkClick r:id="rId2"/>
+              </a:rPr>
+              <a:t>/</a:t>
+            </a:r>
+            <a:r>
+              <a:rPr lang="es-BO" dirty="0" err="1">
+                <a:hlinkClick r:id="rId2"/>
+              </a:rPr>
+              <a:t>prograiii</a:t>
+            </a:r>
+            <a:r>
+              <a:rPr lang="es-BO" dirty="0">
+                <a:hlinkClick r:id="rId2"/>
+              </a:rPr>
+              <a:t>/</a:t>
+            </a:r>
+            <a:r>
+              <a:rPr lang="es-BO" dirty="0" err="1">
+                <a:hlinkClick r:id="rId2"/>
+              </a:rPr>
+              <a:t>tree</a:t>
+            </a:r>
+            <a:r>
+              <a:rPr lang="es-BO">
+                <a:hlinkClick r:id="rId2"/>
+              </a:rPr>
+              <a:t>/master/hito2</a:t>
+            </a:r>
+            <a:endParaRPr lang="es-BO" dirty="0"/>
           </a:p>
         </p:txBody>
       </p:sp>
